--- a/CMMI-Nivel-2/PPQA/PACPPQA_0.1_2015.pptx
+++ b/CMMI-Nivel-2/PPQA/PACPPQA_0.1_2015.pptx
@@ -160,10 +160,10 @@
       </p14:sectionLst>
     </p:ext>
     <p:ext uri="{EFAFB233-063F-42B5-8137-9DF3F51BA10A}">
-      <p15:sldGuideLst xmlns:p15="http://schemas.microsoft.com/office/powerpoint/2012/main" xmlns=""/>
+      <p15:sldGuideLst xmlns="" xmlns:p15="http://schemas.microsoft.com/office/powerpoint/2012/main"/>
     </p:ext>
     <p:ext uri="{2D200454-40CA-4A62-9FC3-DE9A4176ACB9}">
-      <p15:notesGuideLst xmlns:p15="http://schemas.microsoft.com/office/powerpoint/2012/main" xmlns=""/>
+      <p15:notesGuideLst xmlns="" xmlns:p15="http://schemas.microsoft.com/office/powerpoint/2012/main"/>
     </p:ext>
   </p:extLst>
 </p:presentation>
@@ -251,7 +251,7 @@
           <a:p>
             <a:fld id="{E3775AAE-0936-40B9-ACF9-A981EEF95D23}" type="datetimeFigureOut">
               <a:rPr lang="en-US" smtClean="0"/>
-              <a:t>6/24/2015</a:t>
+              <a:t>7/16/2015</a:t>
             </a:fld>
             <a:endParaRPr lang="en-US"/>
           </a:p>
@@ -2668,7 +2668,7 @@
           <a:p>
             <a:fld id="{78ABE3C1-DBE1-495D-B57B-2849774B866A}" type="datetimeFigureOut">
               <a:rPr lang="en-US" smtClean="0"/>
-              <a:t>6/24/2015</a:t>
+              <a:t>7/16/2015</a:t>
             </a:fld>
             <a:endParaRPr lang="en-US" dirty="0"/>
           </a:p>
@@ -3094,7 +3094,7 @@
           <a:p>
             <a:fld id="{446C117F-5CCF-4837-BE5F-2B92066CAFAF}" type="datetimeFigureOut">
               <a:rPr lang="en-US" smtClean="0"/>
-              <a:t>6/24/2015</a:t>
+              <a:t>7/16/2015</a:t>
             </a:fld>
             <a:endParaRPr lang="en-US" dirty="0"/>
           </a:p>
@@ -3442,7 +3442,7 @@
           <a:p>
             <a:fld id="{84EB90BD-B6CE-46B7-997F-7313B992CCDC}" type="datetimeFigureOut">
               <a:rPr lang="en-US" smtClean="0"/>
-              <a:t>6/24/2015</a:t>
+              <a:t>7/16/2015</a:t>
             </a:fld>
             <a:endParaRPr lang="en-US" dirty="0"/>
           </a:p>
@@ -3859,7 +3859,7 @@
           <a:p>
             <a:fld id="{CDB9D11F-B188-461D-B23F-39381795C052}" type="datetimeFigureOut">
               <a:rPr lang="en-US" smtClean="0"/>
-              <a:t>6/24/2015</a:t>
+              <a:t>7/16/2015</a:t>
             </a:fld>
             <a:endParaRPr lang="en-US" dirty="0"/>
           </a:p>
@@ -4439,7 +4439,7 @@
           <a:p>
             <a:fld id="{52E6D8D9-55A2-4063-B0F3-121F44549695}" type="datetimeFigureOut">
               <a:rPr lang="en-US" smtClean="0"/>
-              <a:t>6/24/2015</a:t>
+              <a:t>7/16/2015</a:t>
             </a:fld>
             <a:endParaRPr lang="en-US" dirty="0"/>
           </a:p>
@@ -5132,7 +5132,7 @@
           <a:p>
             <a:fld id="{D4B24536-994D-4021-A283-9F449C0DB509}" type="datetimeFigureOut">
               <a:rPr lang="en-US" smtClean="0"/>
-              <a:t>6/24/2015</a:t>
+              <a:t>7/16/2015</a:t>
             </a:fld>
             <a:endParaRPr lang="en-US" dirty="0"/>
           </a:p>
@@ -6057,7 +6057,7 @@
           <a:p>
             <a:fld id="{3CBBBB78-C96F-47B7-AB17-D852CA960AC9}" type="datetimeFigureOut">
               <a:rPr lang="en-US" smtClean="0"/>
-              <a:t>6/24/2015</a:t>
+              <a:t>7/16/2015</a:t>
             </a:fld>
             <a:endParaRPr lang="en-US" dirty="0"/>
           </a:p>
@@ -6382,7 +6382,7 @@
           <a:p>
             <a:fld id="{1FA3F48C-C7C6-4055-9F49-3777875E72AE}" type="datetimeFigureOut">
               <a:rPr lang="en-US" smtClean="0"/>
-              <a:t>6/24/2015</a:t>
+              <a:t>7/16/2015</a:t>
             </a:fld>
             <a:endParaRPr lang="en-US" dirty="0"/>
           </a:p>
@@ -6658,7 +6658,7 @@
           <a:p>
             <a:fld id="{6178E61D-D431-422C-9764-11DAFE33AB63}" type="datetimeFigureOut">
               <a:rPr lang="en-US" smtClean="0"/>
-              <a:t>6/24/2015</a:t>
+              <a:t>7/16/2015</a:t>
             </a:fld>
             <a:endParaRPr lang="en-US" dirty="0"/>
           </a:p>
@@ -7012,7 +7012,7 @@
           <a:p>
             <a:fld id="{12DE42F4-6EEF-4EF7-8ED4-2208F0F89A08}" type="datetimeFigureOut">
               <a:rPr lang="en-US" smtClean="0"/>
-              <a:t>6/24/2015</a:t>
+              <a:t>7/16/2015</a:t>
             </a:fld>
             <a:endParaRPr lang="en-US" dirty="0"/>
           </a:p>
@@ -7413,7 +7413,7 @@
           <a:p>
             <a:fld id="{30578ACC-22D6-47C1-A373-4FD133E34F3C}" type="datetimeFigureOut">
               <a:rPr lang="en-US" smtClean="0"/>
-              <a:t>6/24/2015</a:t>
+              <a:t>7/16/2015</a:t>
             </a:fld>
             <a:endParaRPr lang="en-US" dirty="0"/>
           </a:p>
@@ -7801,7 +7801,7 @@
           <a:p>
             <a:fld id="{4E5A6C69-6797-4E8A-BF37-F2C3751466E9}" type="datetimeFigureOut">
               <a:rPr lang="en-US" smtClean="0"/>
-              <a:t>6/24/2015</a:t>
+              <a:t>7/16/2015</a:t>
             </a:fld>
             <a:endParaRPr lang="en-US" dirty="0"/>
           </a:p>
@@ -8319,7 +8319,7 @@
           <a:p>
             <a:fld id="{D82014A1-A632-4878-A0D3-F52BA7563730}" type="datetimeFigureOut">
               <a:rPr lang="en-US" smtClean="0"/>
-              <a:t>6/24/2015</a:t>
+              <a:t>7/16/2015</a:t>
             </a:fld>
             <a:endParaRPr lang="en-US" dirty="0"/>
           </a:p>
@@ -8588,7 +8588,7 @@
           <a:p>
             <a:fld id="{CE99F462-093F-4566-844B-4C71F2739DA5}" type="datetimeFigureOut">
               <a:rPr lang="en-US" smtClean="0"/>
-              <a:t>6/24/2015</a:t>
+              <a:t>7/16/2015</a:t>
             </a:fld>
             <a:endParaRPr lang="en-US" dirty="0"/>
           </a:p>
@@ -8763,7 +8763,7 @@
           <a:p>
             <a:fld id="{3D24A7AC-904D-4781-85BA-7D10C17ED021}" type="datetimeFigureOut">
               <a:rPr lang="en-US" smtClean="0"/>
-              <a:t>6/24/2015</a:t>
+              <a:t>7/16/2015</a:t>
             </a:fld>
             <a:endParaRPr lang="en-US" dirty="0"/>
           </a:p>
@@ -9165,7 +9165,7 @@
           <a:p>
             <a:fld id="{E331444B-B92B-4E27-8C94-BB93EAF5CB18}" type="datetimeFigureOut">
               <a:rPr lang="en-US" smtClean="0"/>
-              <a:t>6/24/2015</a:t>
+              <a:t>7/16/2015</a:t>
             </a:fld>
             <a:endParaRPr lang="en-US" dirty="0"/>
           </a:p>
@@ -9586,7 +9586,7 @@
           <a:p>
             <a:fld id="{363EFA5E-FA76-400D-B3DC-F0BA90E6D107}" type="datetimeFigureOut">
               <a:rPr lang="en-US" smtClean="0"/>
-              <a:t>6/24/2015</a:t>
+              <a:t>7/16/2015</a:t>
             </a:fld>
             <a:endParaRPr lang="en-US" dirty="0"/>
           </a:p>
@@ -9842,7 +9842,7 @@
           <a:p>
             <a:fld id="{9D6E9DEC-419B-4CC5-A080-3B06BD5A8291}" type="datetimeFigureOut">
               <a:rPr lang="en-US" smtClean="0"/>
-              <a:t>6/24/2015</a:t>
+              <a:t>7/16/2015</a:t>
             </a:fld>
             <a:endParaRPr lang="en-US" dirty="0"/>
           </a:p>
@@ -14750,7 +14750,21 @@
                           <a:latin typeface="Arial" pitchFamily="34" charset="0"/>
                           <a:cs typeface="Arial" pitchFamily="34" charset="0"/>
                         </a:rPr>
-                        <a:t> Gerencial de QA</a:t>
+                        <a:t> </a:t>
+                      </a:r>
+                      <a:r>
+                        <a:rPr lang="es-PE" sz="1100" baseline="0" dirty="0" smtClean="0">
+                          <a:latin typeface="Arial" pitchFamily="34" charset="0"/>
+                          <a:cs typeface="Arial" pitchFamily="34" charset="0"/>
+                        </a:rPr>
+                        <a:t>Gerencial de </a:t>
+                      </a:r>
+                      <a:r>
+                        <a:rPr lang="es-PE" sz="1100" baseline="0" dirty="0" smtClean="0">
+                          <a:latin typeface="Arial" pitchFamily="34" charset="0"/>
+                          <a:cs typeface="Arial" pitchFamily="34" charset="0"/>
+                        </a:rPr>
+                        <a:t>QA</a:t>
                       </a:r>
                       <a:endParaRPr lang="es-PE" sz="1100" dirty="0" smtClean="0">
                         <a:latin typeface="Arial" pitchFamily="34" charset="0"/>
@@ -15776,14 +15790,14 @@
               <a:buNone/>
             </a:pPr>
             <a:r>
-              <a:rPr lang="es-PE" sz="900" b="1" dirty="0" err="1">
+              <a:rPr lang="es-PE" sz="900" b="1" dirty="0" err="1" smtClean="0">
                 <a:solidFill>
                   <a:schemeClr val="bg1"/>
                 </a:solidFill>
                 <a:latin typeface="Arial" pitchFamily="34" charset="0"/>
                 <a:cs typeface="Arial" pitchFamily="34" charset="0"/>
               </a:rPr>
-              <a:t>Panagon</a:t>
+              <a:t>GitHub</a:t>
             </a:r>
             <a:endParaRPr lang="es-PE" sz="900" b="1" dirty="0">
               <a:solidFill>
@@ -15899,14 +15913,13 @@
           <p:cNvCxnSpPr>
             <a:cxnSpLocks noChangeShapeType="1"/>
             <a:stCxn id="20" idx="2"/>
-            <a:endCxn id="51" idx="3"/>
           </p:cNvCxnSpPr>
           <p:nvPr/>
         </p:nvCxnSpPr>
         <p:spPr bwMode="auto">
           <a:xfrm rot="5400000">
-            <a:off x="4945063" y="4452938"/>
-            <a:ext cx="1350962" cy="349250"/>
+            <a:off x="4163220" y="3561557"/>
+            <a:ext cx="1241425" cy="2022475"/>
           </a:xfrm>
           <a:prstGeom prst="bentConnector2">
             <a:avLst/>
@@ -16110,6 +16123,16 @@
               <a:buNone/>
             </a:pPr>
             <a:r>
+              <a:rPr lang="es-PE" sz="900" b="1" dirty="0" smtClean="0">
+                <a:solidFill>
+                  <a:schemeClr val="bg1"/>
+                </a:solidFill>
+                <a:latin typeface="Arial" pitchFamily="34" charset="0"/>
+                <a:cs typeface="Arial" pitchFamily="34" charset="0"/>
+              </a:rPr>
+              <a:t>(4) </a:t>
+            </a:r>
+            <a:r>
               <a:rPr lang="es-PE" sz="900" b="1" dirty="0">
                 <a:solidFill>
                   <a:schemeClr val="bg1"/>
@@ -16117,7 +16140,7 @@
                 <a:latin typeface="Arial" pitchFamily="34" charset="0"/>
                 <a:cs typeface="Arial" pitchFamily="34" charset="0"/>
               </a:rPr>
-              <a:t>(5) Analista de Calidad</a:t>
+              <a:t>Analista de Calidad</a:t>
             </a:r>
             <a:endParaRPr lang="es-ES" sz="900" b="1" dirty="0">
               <a:solidFill>
@@ -16583,6 +16606,16 @@
               <a:buNone/>
             </a:pPr>
             <a:r>
+              <a:rPr lang="es-PE" sz="900" b="1" dirty="0" smtClean="0">
+                <a:solidFill>
+                  <a:schemeClr val="bg1"/>
+                </a:solidFill>
+                <a:latin typeface="Arial" pitchFamily="34" charset="0"/>
+                <a:cs typeface="Arial" pitchFamily="34" charset="0"/>
+              </a:rPr>
+              <a:t>(5) </a:t>
+            </a:r>
+            <a:r>
               <a:rPr lang="es-PE" sz="900" b="1" dirty="0">
                 <a:solidFill>
                   <a:schemeClr val="bg1"/>
@@ -16590,7 +16623,7 @@
                 <a:latin typeface="Arial" pitchFamily="34" charset="0"/>
                 <a:cs typeface="Arial" pitchFamily="34" charset="0"/>
               </a:rPr>
-              <a:t>(6) Analista de Calidad</a:t>
+              <a:t>Analista de Calidad</a:t>
             </a:r>
             <a:endParaRPr lang="es-ES" sz="900" b="1" dirty="0">
               <a:solidFill>
@@ -16648,14 +16681,14 @@
               <a:buNone/>
             </a:pPr>
             <a:r>
-              <a:rPr lang="es-PE" sz="900" b="1" dirty="0" err="1">
+              <a:rPr lang="es-PE" sz="900" b="1" dirty="0" err="1" smtClean="0">
                 <a:solidFill>
                   <a:schemeClr val="bg1"/>
                 </a:solidFill>
                 <a:latin typeface="Arial" pitchFamily="34" charset="0"/>
                 <a:cs typeface="Arial" pitchFamily="34" charset="0"/>
               </a:rPr>
-              <a:t>Panagon</a:t>
+              <a:t>GitHub</a:t>
             </a:r>
             <a:endParaRPr lang="es-PE" sz="900" b="1" dirty="0">
               <a:solidFill>
@@ -17287,7 +17320,7 @@
       </p:cxnSp>
       <p:sp>
         <p:nvSpPr>
-          <p:cNvPr id="51" name="Rectangle 101"/>
+          <p:cNvPr id="55" name="Rectangle 105"/>
           <p:cNvSpPr>
             <a:spLocks noChangeArrowheads="1"/>
           </p:cNvSpPr>
@@ -17295,8 +17328,8 @@
         </p:nvSpPr>
         <p:spPr bwMode="auto">
           <a:xfrm>
-            <a:off x="4148931" y="4872974"/>
-            <a:ext cx="1296988" cy="860637"/>
+            <a:off x="2420144" y="4872974"/>
+            <a:ext cx="1296987" cy="860637"/>
           </a:xfrm>
           <a:prstGeom prst="rect">
             <a:avLst/>
@@ -17338,7 +17371,7 @@
                 <a:latin typeface="Arial" pitchFamily="34" charset="0"/>
                 <a:cs typeface="Arial" pitchFamily="34" charset="0"/>
               </a:rPr>
-              <a:t>Levantamiento de NC</a:t>
+              <a:t>Seguimiento</a:t>
             </a:r>
             <a:endParaRPr lang="es-ES" sz="900" b="1" dirty="0">
               <a:solidFill>
@@ -17352,7 +17385,7 @@
       </p:sp>
       <p:sp>
         <p:nvSpPr>
-          <p:cNvPr id="52" name="Rectangle 102"/>
+          <p:cNvPr id="56" name="Rectangle 106"/>
           <p:cNvSpPr>
             <a:spLocks noChangeArrowheads="1"/>
           </p:cNvSpPr>
@@ -17360,8 +17393,8 @@
         </p:nvSpPr>
         <p:spPr bwMode="auto">
           <a:xfrm>
-            <a:off x="4148931" y="4545807"/>
-            <a:ext cx="1296988" cy="331335"/>
+            <a:off x="2420144" y="4545807"/>
+            <a:ext cx="1296987" cy="331335"/>
           </a:xfrm>
           <a:prstGeom prst="rect">
             <a:avLst/>
@@ -17396,6 +17429,16 @@
               <a:buNone/>
             </a:pPr>
             <a:r>
+              <a:rPr lang="es-PE" sz="900" b="1" dirty="0" smtClean="0">
+                <a:solidFill>
+                  <a:schemeClr val="bg1"/>
+                </a:solidFill>
+                <a:latin typeface="Arial" pitchFamily="34" charset="0"/>
+                <a:cs typeface="Arial" pitchFamily="34" charset="0"/>
+              </a:rPr>
+              <a:t>(3) </a:t>
+            </a:r>
+            <a:r>
               <a:rPr lang="es-PE" sz="900" b="1" dirty="0">
                 <a:solidFill>
                   <a:schemeClr val="bg1"/>
@@ -17403,7 +17446,7 @@
                 <a:latin typeface="Arial" pitchFamily="34" charset="0"/>
                 <a:cs typeface="Arial" pitchFamily="34" charset="0"/>
               </a:rPr>
-              <a:t>(3) Revisado de QA</a:t>
+              <a:t>Analista de Calidad</a:t>
             </a:r>
             <a:endParaRPr lang="es-ES" sz="900" b="1" dirty="0">
               <a:solidFill>
@@ -17417,7 +17460,7 @@
       </p:sp>
       <p:sp>
         <p:nvSpPr>
-          <p:cNvPr id="53" name="Rectangle 103"/>
+          <p:cNvPr id="57" name="Rectangle 107"/>
           <p:cNvSpPr>
             <a:spLocks noChangeArrowheads="1"/>
           </p:cNvSpPr>
@@ -17425,8 +17468,8 @@
         </p:nvSpPr>
         <p:spPr bwMode="auto">
           <a:xfrm>
-            <a:off x="4148931" y="5733611"/>
-            <a:ext cx="1296988" cy="325083"/>
+            <a:off x="2420144" y="5733611"/>
+            <a:ext cx="1296987" cy="325083"/>
           </a:xfrm>
           <a:prstGeom prst="rect">
             <a:avLst/>
@@ -17498,255 +17541,6 @@
           </a:p>
         </p:txBody>
       </p:sp>
-      <p:sp>
-        <p:nvSpPr>
-          <p:cNvPr id="55" name="Rectangle 105"/>
-          <p:cNvSpPr>
-            <a:spLocks noChangeArrowheads="1"/>
-          </p:cNvSpPr>
-          <p:nvPr/>
-        </p:nvSpPr>
-        <p:spPr bwMode="auto">
-          <a:xfrm>
-            <a:off x="2420144" y="4872974"/>
-            <a:ext cx="1296987" cy="860637"/>
-          </a:xfrm>
-          <a:prstGeom prst="rect">
-            <a:avLst/>
-          </a:prstGeom>
-          <a:solidFill>
-            <a:schemeClr val="tx1"/>
-          </a:solidFill>
-          <a:ln w="9525" algn="ctr">
-            <a:solidFill>
-              <a:srgbClr val="FFFF00"/>
-            </a:solidFill>
-            <a:miter lim="800000"/>
-            <a:headEnd/>
-            <a:tailEnd/>
-          </a:ln>
-        </p:spPr>
-        <p:txBody>
-          <a:bodyPr lIns="0" tIns="0" rIns="0" bIns="0" anchor="ctr"/>
-          <a:lstStyle/>
-          <a:p>
-            <a:pPr algn="ctr">
-              <a:lnSpc>
-                <a:spcPct val="110000"/>
-              </a:lnSpc>
-              <a:spcBef>
-                <a:spcPct val="0"/>
-              </a:spcBef>
-              <a:spcAft>
-                <a:spcPct val="0"/>
-              </a:spcAft>
-              <a:buFontTx/>
-              <a:buNone/>
-            </a:pPr>
-            <a:r>
-              <a:rPr lang="es-PE" sz="900" b="1" dirty="0">
-                <a:solidFill>
-                  <a:schemeClr val="bg1"/>
-                </a:solidFill>
-                <a:latin typeface="Arial" pitchFamily="34" charset="0"/>
-                <a:cs typeface="Arial" pitchFamily="34" charset="0"/>
-              </a:rPr>
-              <a:t>Seguimiento</a:t>
-            </a:r>
-            <a:endParaRPr lang="es-ES" sz="900" b="1" dirty="0">
-              <a:solidFill>
-                <a:schemeClr val="bg1"/>
-              </a:solidFill>
-              <a:latin typeface="Arial" pitchFamily="34" charset="0"/>
-              <a:cs typeface="Arial" pitchFamily="34" charset="0"/>
-            </a:endParaRPr>
-          </a:p>
-        </p:txBody>
-      </p:sp>
-      <p:sp>
-        <p:nvSpPr>
-          <p:cNvPr id="56" name="Rectangle 106"/>
-          <p:cNvSpPr>
-            <a:spLocks noChangeArrowheads="1"/>
-          </p:cNvSpPr>
-          <p:nvPr/>
-        </p:nvSpPr>
-        <p:spPr bwMode="auto">
-          <a:xfrm>
-            <a:off x="2420144" y="4545807"/>
-            <a:ext cx="1296987" cy="331335"/>
-          </a:xfrm>
-          <a:prstGeom prst="rect">
-            <a:avLst/>
-          </a:prstGeom>
-          <a:solidFill>
-            <a:srgbClr val="FFFF00"/>
-          </a:solidFill>
-          <a:ln w="9525" algn="ctr">
-            <a:solidFill>
-              <a:srgbClr val="FFFF00"/>
-            </a:solidFill>
-            <a:miter lim="800000"/>
-            <a:headEnd/>
-            <a:tailEnd/>
-          </a:ln>
-        </p:spPr>
-        <p:txBody>
-          <a:bodyPr lIns="0" tIns="0" rIns="0" bIns="0" anchor="ctr"/>
-          <a:lstStyle/>
-          <a:p>
-            <a:pPr algn="ctr">
-              <a:lnSpc>
-                <a:spcPct val="110000"/>
-              </a:lnSpc>
-              <a:spcBef>
-                <a:spcPct val="0"/>
-              </a:spcBef>
-              <a:spcAft>
-                <a:spcPct val="0"/>
-              </a:spcAft>
-              <a:buFontTx/>
-              <a:buNone/>
-            </a:pPr>
-            <a:r>
-              <a:rPr lang="es-PE" sz="900" b="1" dirty="0">
-                <a:solidFill>
-                  <a:schemeClr val="bg1"/>
-                </a:solidFill>
-                <a:latin typeface="Arial" pitchFamily="34" charset="0"/>
-                <a:cs typeface="Arial" pitchFamily="34" charset="0"/>
-              </a:rPr>
-              <a:t>(4) Analista de Calidad</a:t>
-            </a:r>
-            <a:endParaRPr lang="es-ES" sz="900" b="1" dirty="0">
-              <a:solidFill>
-                <a:schemeClr val="bg1"/>
-              </a:solidFill>
-              <a:latin typeface="Arial" pitchFamily="34" charset="0"/>
-              <a:cs typeface="Arial" pitchFamily="34" charset="0"/>
-            </a:endParaRPr>
-          </a:p>
-        </p:txBody>
-      </p:sp>
-      <p:sp>
-        <p:nvSpPr>
-          <p:cNvPr id="57" name="Rectangle 107"/>
-          <p:cNvSpPr>
-            <a:spLocks noChangeArrowheads="1"/>
-          </p:cNvSpPr>
-          <p:nvPr/>
-        </p:nvSpPr>
-        <p:spPr bwMode="auto">
-          <a:xfrm>
-            <a:off x="2420144" y="5733611"/>
-            <a:ext cx="1296987" cy="325083"/>
-          </a:xfrm>
-          <a:prstGeom prst="rect">
-            <a:avLst/>
-          </a:prstGeom>
-          <a:solidFill>
-            <a:srgbClr val="FFFF00"/>
-          </a:solidFill>
-          <a:ln w="9525" algn="ctr">
-            <a:solidFill>
-              <a:srgbClr val="FFFF00"/>
-            </a:solidFill>
-            <a:miter lim="800000"/>
-            <a:headEnd/>
-            <a:tailEnd/>
-          </a:ln>
-        </p:spPr>
-        <p:txBody>
-          <a:bodyPr lIns="0" tIns="0" rIns="0" bIns="0" anchor="ctr"/>
-          <a:lstStyle/>
-          <a:p>
-            <a:pPr algn="ctr">
-              <a:lnSpc>
-                <a:spcPct val="110000"/>
-              </a:lnSpc>
-              <a:spcBef>
-                <a:spcPct val="0"/>
-              </a:spcBef>
-              <a:spcAft>
-                <a:spcPct val="0"/>
-              </a:spcAft>
-              <a:buFontTx/>
-              <a:buNone/>
-            </a:pPr>
-            <a:r>
-              <a:rPr lang="es-PE" sz="900" b="1" dirty="0">
-                <a:solidFill>
-                  <a:schemeClr val="bg1"/>
-                </a:solidFill>
-                <a:latin typeface="Arial" pitchFamily="34" charset="0"/>
-                <a:cs typeface="Arial" pitchFamily="34" charset="0"/>
-              </a:rPr>
-              <a:t>Herramienta Gestión</a:t>
-            </a:r>
-          </a:p>
-          <a:p>
-            <a:pPr algn="ctr">
-              <a:lnSpc>
-                <a:spcPct val="110000"/>
-              </a:lnSpc>
-              <a:spcBef>
-                <a:spcPct val="0"/>
-              </a:spcBef>
-              <a:spcAft>
-                <a:spcPct val="0"/>
-              </a:spcAft>
-              <a:buFontTx/>
-              <a:buNone/>
-            </a:pPr>
-            <a:r>
-              <a:rPr lang="es-PE" sz="900" b="1" dirty="0">
-                <a:solidFill>
-                  <a:schemeClr val="bg1"/>
-                </a:solidFill>
-                <a:latin typeface="Arial" pitchFamily="34" charset="0"/>
-                <a:cs typeface="Arial" pitchFamily="34" charset="0"/>
-              </a:rPr>
-              <a:t>QA‑Producto</a:t>
-            </a:r>
-          </a:p>
-        </p:txBody>
-      </p:sp>
-      <p:cxnSp>
-        <p:nvCxnSpPr>
-          <p:cNvPr id="58" name="AutoShape 108"/>
-          <p:cNvCxnSpPr>
-            <a:cxnSpLocks noChangeShapeType="1"/>
-            <a:stCxn id="51" idx="1"/>
-            <a:endCxn id="55" idx="3"/>
-          </p:cNvCxnSpPr>
-          <p:nvPr/>
-        </p:nvCxnSpPr>
-        <p:spPr bwMode="auto">
-          <a:xfrm flipH="1">
-            <a:off x="3717131" y="5303044"/>
-            <a:ext cx="431800" cy="0"/>
-          </a:xfrm>
-          <a:prstGeom prst="straightConnector1">
-            <a:avLst/>
-          </a:prstGeom>
-          <a:noFill/>
-          <a:ln w="9525">
-            <a:solidFill>
-              <a:schemeClr val="tx1"/>
-            </a:solidFill>
-            <a:round/>
-            <a:headEnd/>
-            <a:tailEnd type="triangle" w="med" len="med"/>
-          </a:ln>
-          <a:extLst>
-            <a:ext uri="{909E8E84-426E-40DD-AFC4-6F175D3DCCD1}">
-              <a14:hiddenFill xmlns:a14="http://schemas.microsoft.com/office/drawing/2010/main">
-                <a:noFill/>
-              </a14:hiddenFill>
-            </a:ext>
-          </a:extLst>
-        </p:spPr>
-      </p:cxnSp>
       <p:cxnSp>
         <p:nvCxnSpPr>
           <p:cNvPr id="63" name="AutoShape 66"/>
@@ -17843,17 +17637,7 @@
                 <a:latin typeface="Arial" pitchFamily="34" charset="0"/>
                 <a:cs typeface="Arial" pitchFamily="34" charset="0"/>
               </a:rPr>
-              <a:t>Solicitu</a:t>
-            </a:r>
-            <a:r>
-              <a:rPr lang="es-PE" sz="900" b="1" dirty="0" smtClean="0">
-                <a:solidFill>
-                  <a:schemeClr val="bg1"/>
-                </a:solidFill>
-                <a:latin typeface="Arial" pitchFamily="34" charset="0"/>
-                <a:cs typeface="Arial" pitchFamily="34" charset="0"/>
-              </a:rPr>
-              <a:t>d de Control de Calidad del Producto</a:t>
+              <a:t>Solicitud de Control de Calidad del Producto</a:t>
             </a:r>
             <a:endParaRPr lang="es-ES" sz="900" b="1" dirty="0">
               <a:solidFill>
@@ -18436,14 +18220,14 @@
           <p:nvPr>
             <p:extLst>
               <p:ext uri="{D42A27DB-BD31-4B8C-83A1-F6EECF244321}">
-                <p14:modId xmlns:p14="http://schemas.microsoft.com/office/powerpoint/2010/main" val="3819931443"/>
+                <p14:modId xmlns:p14="http://schemas.microsoft.com/office/powerpoint/2010/main" val="1232465087"/>
               </p:ext>
             </p:extLst>
           </p:nvPr>
         </p:nvGraphicFramePr>
         <p:xfrm>
           <a:off x="193628" y="2194386"/>
-          <a:ext cx="11724745" cy="2964180"/>
+          <a:ext cx="11724745" cy="2681669"/>
         </p:xfrm>
         <a:graphic>
           <a:graphicData uri="http://schemas.openxmlformats.org/drawingml/2006/table">
@@ -18682,21 +18466,35 @@
                           <a:latin typeface="Arial" pitchFamily="34" charset="0"/>
                           <a:cs typeface="Arial" pitchFamily="34" charset="0"/>
                         </a:rPr>
-                        <a:t> cada vez que recibe por e-mail una solicitud de control de calidad de producto (entregable), toma control de la versión del producto (</a:t>
+                        <a:t> cada vez que recibe por e-mail una solicitud de control de calidad de producto (entregable), toma control de la versión del producto </a:t>
+                      </a:r>
+                      <a:r>
+                        <a:rPr lang="es-PE" sz="1100" baseline="0" dirty="0" smtClean="0">
+                          <a:latin typeface="Arial" pitchFamily="34" charset="0"/>
+                          <a:cs typeface="Arial" pitchFamily="34" charset="0"/>
+                        </a:rPr>
+                        <a:t>(</a:t>
                       </a:r>
                       <a:r>
                         <a:rPr lang="es-PE" sz="1100" baseline="0" dirty="0" err="1" smtClean="0">
                           <a:latin typeface="Arial" pitchFamily="34" charset="0"/>
                           <a:cs typeface="Arial" pitchFamily="34" charset="0"/>
                         </a:rPr>
-                        <a:t>Panagon</a:t>
+                        <a:t>GitHub</a:t>
                       </a:r>
                       <a:r>
                         <a:rPr lang="es-PE" sz="1100" baseline="0" dirty="0" smtClean="0">
                           <a:latin typeface="Arial" pitchFamily="34" charset="0"/>
                           <a:cs typeface="Arial" pitchFamily="34" charset="0"/>
                         </a:rPr>
-                        <a:t> equivale a hacer un </a:t>
+                        <a:t> </a:t>
+                      </a:r>
+                      <a:r>
+                        <a:rPr lang="es-PE" sz="1100" baseline="0" dirty="0" smtClean="0">
+                          <a:latin typeface="Arial" pitchFamily="34" charset="0"/>
+                          <a:cs typeface="Arial" pitchFamily="34" charset="0"/>
+                        </a:rPr>
+                        <a:t>equivale a hacer un </a:t>
                       </a:r>
                       <a:r>
                         <a:rPr lang="es-PE" sz="1100" baseline="0" dirty="0" err="1" smtClean="0">
@@ -18733,7 +18531,7 @@
                           <a:latin typeface="Arial" pitchFamily="34" charset="0"/>
                           <a:cs typeface="Arial" pitchFamily="34" charset="0"/>
                         </a:rPr>
-                        <a:t>Panagon</a:t>
+                        <a:t>GitHub</a:t>
                       </a:r>
                       <a:endParaRPr lang="es-PE" sz="1100" baseline="0" dirty="0" smtClean="0">
                         <a:latin typeface="Arial" pitchFamily="34" charset="0"/>
@@ -18876,24 +18674,19 @@
                           <a:latin typeface="Arial" pitchFamily="34" charset="0"/>
                           <a:cs typeface="Arial" pitchFamily="34" charset="0"/>
                         </a:rPr>
-                        <a:t>El Analista de Calidad realizará una Revisión General para verificar si se han entregado todos los componentes del producto (entregable). De haber No Conformidades, se comunica al responsable del producto mediante correo electrónico para que levante las no conformidades.</a:t>
+                        <a:t>El Analista de Calidad realizará una Revisión General para verificar si se han entregado todos los componentes del producto (entregable). De haber No Conformidades, se comunica al responsable del producto mediante correo electrónico para que levante las no conformidades</a:t>
                       </a:r>
-                    </a:p>
-                    <a:p>
-                      <a:pPr marL="171450" indent="-171450" algn="just">
-                        <a:lnSpc>
-                          <a:spcPct val="150000"/>
-                        </a:lnSpc>
-                        <a:buFont typeface="Arial" pitchFamily="34" charset="0"/>
-                        <a:buChar char="•"/>
-                      </a:pPr>
                       <a:r>
                         <a:rPr lang="es-PE" sz="1100" baseline="0" dirty="0" smtClean="0">
                           <a:latin typeface="Arial" pitchFamily="34" charset="0"/>
                           <a:cs typeface="Arial" pitchFamily="34" charset="0"/>
                         </a:rPr>
-                        <a:t>El Analista de Calidad levanta las No Conformidades.</a:t>
+                        <a:t>.</a:t>
                       </a:r>
+                      <a:endParaRPr lang="es-PE" sz="1100" baseline="0" dirty="0" smtClean="0">
+                        <a:latin typeface="Arial" pitchFamily="34" charset="0"/>
+                        <a:cs typeface="Arial" pitchFamily="34" charset="0"/>
+                      </a:endParaRPr>
                     </a:p>
                   </a:txBody>
                   <a:tcPr anchor="ctr"/>
@@ -18991,7 +18784,14 @@
                           <a:latin typeface="Arial" pitchFamily="34" charset="0"/>
                           <a:cs typeface="Arial" pitchFamily="34" charset="0"/>
                         </a:rPr>
-                        <a:t>No Conformidades subsanadas</a:t>
+                        <a:t>No </a:t>
+                      </a:r>
+                      <a:r>
+                        <a:rPr lang="es-PE" sz="1100" baseline="0" dirty="0" smtClean="0">
+                          <a:latin typeface="Arial" pitchFamily="34" charset="0"/>
+                          <a:cs typeface="Arial" pitchFamily="34" charset="0"/>
+                        </a:rPr>
+                        <a:t>Conformidades</a:t>
                       </a:r>
                       <a:endParaRPr lang="es-PE" sz="1100" dirty="0">
                         <a:latin typeface="Arial" pitchFamily="34" charset="0"/>
@@ -19167,7 +18967,7 @@
           <p:nvPr>
             <p:extLst>
               <p:ext uri="{D42A27DB-BD31-4B8C-83A1-F6EECF244321}">
-                <p14:modId xmlns:p14="http://schemas.microsoft.com/office/powerpoint/2010/main" val="514670017"/>
+                <p14:modId xmlns:p14="http://schemas.microsoft.com/office/powerpoint/2010/main" val="1893511549"/>
               </p:ext>
             </p:extLst>
           </p:nvPr>
@@ -19845,7 +19645,7 @@
                           <a:latin typeface="Arial" pitchFamily="34" charset="0"/>
                           <a:cs typeface="Arial" pitchFamily="34" charset="0"/>
                         </a:rPr>
-                        <a:t>Panagon</a:t>
+                        <a:t>GitHub</a:t>
                       </a:r>
                       <a:endParaRPr lang="es-PE" sz="1100" baseline="0" dirty="0" smtClean="0">
                         <a:latin typeface="Arial" pitchFamily="34" charset="0"/>
@@ -20805,14 +20605,14 @@
           <p:nvPr>
             <p:extLst>
               <p:ext uri="{D42A27DB-BD31-4B8C-83A1-F6EECF244321}">
-                <p14:modId xmlns:p14="http://schemas.microsoft.com/office/powerpoint/2010/main" val="2280349650"/>
+                <p14:modId xmlns:p14="http://schemas.microsoft.com/office/powerpoint/2010/main" val="2781216253"/>
               </p:ext>
             </p:extLst>
           </p:nvPr>
         </p:nvGraphicFramePr>
         <p:xfrm>
           <a:off x="1669030" y="2922576"/>
-          <a:ext cx="8612397" cy="3095180"/>
+          <a:ext cx="8612397" cy="3406093"/>
         </p:xfrm>
         <a:graphic>
           <a:graphicData uri="http://schemas.openxmlformats.org/drawingml/2006/table">
@@ -21036,6 +20836,43 @@
                     <a:bodyPr/>
                     <a:lstStyle/>
                     <a:p>
+                      <a:pPr marL="0" marR="0" indent="0" algn="l" defTabSz="914400" rtl="0" eaLnBrk="1" fontAlgn="auto" latinLnBrk="0" hangingPunct="1">
+                        <a:lnSpc>
+                          <a:spcPct val="100000"/>
+                        </a:lnSpc>
+                        <a:spcBef>
+                          <a:spcPts val="0"/>
+                        </a:spcBef>
+                        <a:spcAft>
+                          <a:spcPts val="0"/>
+                        </a:spcAft>
+                        <a:buClrTx/>
+                        <a:buSzTx/>
+                        <a:buFontTx/>
+                        <a:buNone/>
+                        <a:tabLst/>
+                        <a:defRPr/>
+                      </a:pPr>
+                      <a:r>
+                        <a:rPr lang="es-PE" sz="1300" dirty="0" smtClean="0">
+                          <a:latin typeface="Arial" pitchFamily="34" charset="0"/>
+                          <a:cs typeface="Arial" pitchFamily="34" charset="0"/>
+                        </a:rPr>
+                        <a:t>Todas las</a:t>
+                      </a:r>
+                      <a:r>
+                        <a:rPr lang="es-PE" sz="1300" baseline="0" dirty="0" smtClean="0">
+                          <a:latin typeface="Arial" pitchFamily="34" charset="0"/>
+                          <a:cs typeface="Arial" pitchFamily="34" charset="0"/>
+                        </a:rPr>
+                        <a:t> actividades del Subproceso</a:t>
+                      </a:r>
+                      <a:endParaRPr lang="es-PE" sz="1300" dirty="0" smtClean="0">
+                        <a:latin typeface="Arial" pitchFamily="34" charset="0"/>
+                        <a:cs typeface="Arial" pitchFamily="34" charset="0"/>
+                      </a:endParaRPr>
+                    </a:p>
+                    <a:p>
                       <a:endParaRPr lang="es-PE" sz="1300" dirty="0">
                         <a:latin typeface="Arial" pitchFamily="34" charset="0"/>
                         <a:cs typeface="Arial" pitchFamily="34" charset="0"/>
@@ -21048,6 +20885,32 @@
                   <a:txBody>
                     <a:bodyPr/>
                     <a:lstStyle/>
+                    <a:p>
+                      <a:pPr marL="285750" marR="0" indent="-285750" algn="l" defTabSz="914400" rtl="0" eaLnBrk="1" fontAlgn="auto" latinLnBrk="0" hangingPunct="1">
+                        <a:lnSpc>
+                          <a:spcPct val="100000"/>
+                        </a:lnSpc>
+                        <a:spcBef>
+                          <a:spcPts val="0"/>
+                        </a:spcBef>
+                        <a:spcAft>
+                          <a:spcPts val="0"/>
+                        </a:spcAft>
+                        <a:buClrTx/>
+                        <a:buSzTx/>
+                        <a:buFont typeface="Arial" panose="020B0604020202020204" pitchFamily="34" charset="0"/>
+                        <a:buChar char="•"/>
+                        <a:tabLst/>
+                        <a:defRPr/>
+                      </a:pPr>
+                      <a:r>
+                        <a:rPr lang="es-PE" sz="1300" dirty="0" smtClean="0">
+                          <a:latin typeface="Arial" pitchFamily="34" charset="0"/>
+                          <a:cs typeface="Arial" pitchFamily="34" charset="0"/>
+                        </a:rPr>
+                        <a:t>Seguimiento</a:t>
+                      </a:r>
+                    </a:p>
                     <a:p>
                       <a:endParaRPr lang="es-PE" sz="1300" dirty="0">
                         <a:latin typeface="Arial" pitchFamily="34" charset="0"/>
@@ -21470,6 +21333,32 @@
                     <a:bodyPr/>
                     <a:lstStyle/>
                     <a:p>
+                      <a:pPr marL="285750" marR="0" indent="-285750" algn="l" defTabSz="914400" rtl="0" eaLnBrk="1" fontAlgn="auto" latinLnBrk="0" hangingPunct="1">
+                        <a:lnSpc>
+                          <a:spcPct val="100000"/>
+                        </a:lnSpc>
+                        <a:spcBef>
+                          <a:spcPts val="0"/>
+                        </a:spcBef>
+                        <a:spcAft>
+                          <a:spcPts val="0"/>
+                        </a:spcAft>
+                        <a:buClrTx/>
+                        <a:buSzTx/>
+                        <a:buFont typeface="Arial" panose="020B0604020202020204" pitchFamily="34" charset="0"/>
+                        <a:buChar char="•"/>
+                        <a:tabLst/>
+                        <a:defRPr/>
+                      </a:pPr>
+                      <a:r>
+                        <a:rPr lang="es-PE" sz="1300" dirty="0" smtClean="0">
+                          <a:latin typeface="Arial" pitchFamily="34" charset="0"/>
+                          <a:cs typeface="Arial" pitchFamily="34" charset="0"/>
+                        </a:rPr>
+                        <a:t>Seguimiento</a:t>
+                      </a:r>
+                    </a:p>
+                    <a:p>
                       <a:endParaRPr lang="es-PE" sz="1300" dirty="0">
                         <a:latin typeface="Arial" pitchFamily="34" charset="0"/>
                         <a:cs typeface="Arial" pitchFamily="34" charset="0"/>
@@ -21600,14 +21489,14 @@
           <p:nvPr>
             <p:extLst>
               <p:ext uri="{D42A27DB-BD31-4B8C-83A1-F6EECF244321}">
-                <p14:modId xmlns:p14="http://schemas.microsoft.com/office/powerpoint/2010/main" val="2906627311"/>
+                <p14:modId xmlns:p14="http://schemas.microsoft.com/office/powerpoint/2010/main" val="805932733"/>
               </p:ext>
             </p:extLst>
           </p:nvPr>
         </p:nvGraphicFramePr>
         <p:xfrm>
           <a:off x="1349292" y="2787804"/>
-          <a:ext cx="9145858" cy="3469640"/>
+          <a:ext cx="9145858" cy="3586480"/>
         </p:xfrm>
         <a:graphic>
           <a:graphicData uri="http://schemas.openxmlformats.org/drawingml/2006/table">
@@ -21921,7 +21810,7 @@
                           <a:latin typeface="Arial" pitchFamily="34" charset="0"/>
                           <a:cs typeface="Arial" pitchFamily="34" charset="0"/>
                         </a:rPr>
-                        <a:t>En Revisión</a:t>
+                        <a:t>Concluido</a:t>
                       </a:r>
                       <a:endParaRPr lang="es-PE" sz="1300" dirty="0">
                         <a:latin typeface="Arial" pitchFamily="34" charset="0"/>
@@ -21988,6 +21877,86 @@
                     <a:lstStyle/>
                     <a:p>
                       <a:pPr algn="ctr"/>
+                      <a:r>
+                        <a:rPr lang="es-PE" sz="1300" dirty="0" smtClean="0">
+                          <a:latin typeface="Arial" pitchFamily="34" charset="0"/>
+                          <a:cs typeface="Arial" pitchFamily="34" charset="0"/>
+                        </a:rPr>
+                        <a:t>0.2</a:t>
+                      </a:r>
+                      <a:endParaRPr lang="es-PE" sz="1300" dirty="0">
+                        <a:latin typeface="Arial" pitchFamily="34" charset="0"/>
+                        <a:cs typeface="Arial" pitchFamily="34" charset="0"/>
+                      </a:endParaRPr>
+                    </a:p>
+                  </a:txBody>
+                  <a:tcPr anchor="ctr"/>
+                </a:tc>
+                <a:tc>
+                  <a:txBody>
+                    <a:bodyPr/>
+                    <a:lstStyle/>
+                    <a:p>
+                      <a:pPr algn="ctr"/>
+                      <a:r>
+                        <a:rPr lang="es-PE" sz="1300" dirty="0" smtClean="0">
+                          <a:latin typeface="Arial" pitchFamily="34" charset="0"/>
+                          <a:cs typeface="Arial" pitchFamily="34" charset="0"/>
+                        </a:rPr>
+                        <a:t>07/07//2015</a:t>
+                      </a:r>
+                      <a:endParaRPr lang="es-PE" sz="1300" dirty="0">
+                        <a:latin typeface="Arial" pitchFamily="34" charset="0"/>
+                        <a:cs typeface="Arial" pitchFamily="34" charset="0"/>
+                      </a:endParaRPr>
+                    </a:p>
+                  </a:txBody>
+                  <a:tcPr anchor="ctr"/>
+                </a:tc>
+                <a:tc>
+                  <a:txBody>
+                    <a:bodyPr/>
+                    <a:lstStyle/>
+                    <a:p>
+                      <a:pPr algn="ctr"/>
+                      <a:r>
+                        <a:rPr lang="es-PE" sz="1300" dirty="0" smtClean="0">
+                          <a:latin typeface="Arial" pitchFamily="34" charset="0"/>
+                          <a:cs typeface="Arial" pitchFamily="34" charset="0"/>
+                        </a:rPr>
+                        <a:t>Christian</a:t>
+                      </a:r>
+                      <a:r>
+                        <a:rPr lang="es-PE" sz="1300" baseline="0" dirty="0" smtClean="0">
+                          <a:latin typeface="Arial" pitchFamily="34" charset="0"/>
+                          <a:cs typeface="Arial" pitchFamily="34" charset="0"/>
+                        </a:rPr>
+                        <a:t> Benites</a:t>
+                      </a:r>
+                    </a:p>
+                    <a:p>
+                      <a:pPr algn="ctr"/>
+                      <a:r>
+                        <a:rPr lang="es-PE" sz="1300" baseline="0" dirty="0" smtClean="0">
+                          <a:latin typeface="Arial" pitchFamily="34" charset="0"/>
+                          <a:cs typeface="Arial" pitchFamily="34" charset="0"/>
+                        </a:rPr>
+                        <a:t>(</a:t>
+                      </a:r>
+                      <a:r>
+                        <a:rPr lang="es-PE" sz="1300" baseline="0" dirty="0" err="1" smtClean="0">
+                          <a:latin typeface="Arial" pitchFamily="34" charset="0"/>
+                          <a:cs typeface="Arial" pitchFamily="34" charset="0"/>
+                        </a:rPr>
+                        <a:t>Lider</a:t>
+                      </a:r>
+                      <a:r>
+                        <a:rPr lang="es-PE" sz="1300" baseline="0" dirty="0" smtClean="0">
+                          <a:latin typeface="Arial" pitchFamily="34" charset="0"/>
+                          <a:cs typeface="Arial" pitchFamily="34" charset="0"/>
+                        </a:rPr>
+                        <a:t> de Proyecto)</a:t>
+                      </a:r>
                       <a:endParaRPr lang="es-PE" sz="1300" dirty="0">
                         <a:latin typeface="Arial" pitchFamily="34" charset="0"/>
                         <a:cs typeface="Arial" pitchFamily="34" charset="0"/>
@@ -22016,6 +21985,20 @@
                     <a:lstStyle/>
                     <a:p>
                       <a:pPr algn="ctr"/>
+                      <a:r>
+                        <a:rPr lang="es-PE" sz="1300" dirty="0" smtClean="0">
+                          <a:latin typeface="Arial" pitchFamily="34" charset="0"/>
+                          <a:cs typeface="Arial" pitchFamily="34" charset="0"/>
+                        </a:rPr>
+                        <a:t>En </a:t>
+                      </a:r>
+                      <a:r>
+                        <a:rPr lang="es-PE" sz="1300" dirty="0" err="1" smtClean="0">
+                          <a:latin typeface="Arial" pitchFamily="34" charset="0"/>
+                          <a:cs typeface="Arial" pitchFamily="34" charset="0"/>
+                        </a:rPr>
+                        <a:t>revision</a:t>
+                      </a:r>
                       <a:endParaRPr lang="es-PE" sz="1300" dirty="0">
                         <a:latin typeface="Arial" pitchFamily="34" charset="0"/>
                         <a:cs typeface="Arial" pitchFamily="34" charset="0"/>
@@ -22030,35 +22013,28 @@
                     <a:lstStyle/>
                     <a:p>
                       <a:pPr algn="ctr"/>
+                      <a:r>
+                        <a:rPr lang="es-PE" sz="1300" dirty="0" smtClean="0">
+                          <a:latin typeface="Arial" pitchFamily="34" charset="0"/>
+                          <a:cs typeface="Arial" pitchFamily="34" charset="0"/>
+                        </a:rPr>
+                        <a:t>Manuel</a:t>
+                      </a:r>
+                      <a:r>
+                        <a:rPr lang="es-PE" sz="1300" baseline="0" dirty="0" smtClean="0">
+                          <a:latin typeface="Arial" pitchFamily="34" charset="0"/>
+                          <a:cs typeface="Arial" pitchFamily="34" charset="0"/>
+                        </a:rPr>
+                        <a:t> </a:t>
+                      </a:r>
+                      <a:r>
+                        <a:rPr lang="es-PE" sz="1300" baseline="0" dirty="0" err="1" smtClean="0">
+                          <a:latin typeface="Arial" pitchFamily="34" charset="0"/>
+                          <a:cs typeface="Arial" pitchFamily="34" charset="0"/>
+                        </a:rPr>
+                        <a:t>Saenz</a:t>
+                      </a:r>
                       <a:endParaRPr lang="es-PE" sz="1300" dirty="0">
-                        <a:latin typeface="Arial" pitchFamily="34" charset="0"/>
-                        <a:cs typeface="Arial" pitchFamily="34" charset="0"/>
-                      </a:endParaRPr>
-                    </a:p>
-                  </a:txBody>
-                  <a:tcPr anchor="ctr"/>
-                </a:tc>
-                <a:tc>
-                  <a:txBody>
-                    <a:bodyPr/>
-                    <a:lstStyle/>
-                    <a:p>
-                      <a:pPr algn="ctr"/>
-                      <a:endParaRPr lang="es-PE" sz="1300">
-                        <a:latin typeface="Arial" pitchFamily="34" charset="0"/>
-                        <a:cs typeface="Arial" pitchFamily="34" charset="0"/>
-                      </a:endParaRPr>
-                    </a:p>
-                  </a:txBody>
-                  <a:tcPr anchor="ctr"/>
-                </a:tc>
-                <a:tc>
-                  <a:txBody>
-                    <a:bodyPr/>
-                    <a:lstStyle/>
-                    <a:p>
-                      <a:pPr algn="ctr"/>
-                      <a:endParaRPr lang="es-PE" sz="1300">
                         <a:latin typeface="Arial" pitchFamily="34" charset="0"/>
                         <a:cs typeface="Arial" pitchFamily="34" charset="0"/>
                       </a:endParaRPr>
@@ -24998,11 +24974,18 @@
               <a:buChar char="•"/>
             </a:pPr>
             <a:r>
+              <a:rPr lang="es-PE" sz="1600" b="1" dirty="0" err="1" smtClean="0">
+                <a:latin typeface="Arial" pitchFamily="34" charset="0"/>
+                <a:cs typeface="Arial" pitchFamily="34" charset="0"/>
+              </a:rPr>
+              <a:t>Revision</a:t>
+            </a:r>
+            <a:r>
               <a:rPr lang="es-PE" sz="1600" b="1" dirty="0" smtClean="0">
                 <a:latin typeface="Arial" pitchFamily="34" charset="0"/>
                 <a:cs typeface="Arial" pitchFamily="34" charset="0"/>
               </a:rPr>
-              <a:t>Registro de las revisiones realizadas</a:t>
+              <a:t> de Aseguramiento de la Calidad</a:t>
             </a:r>
             <a:endParaRPr lang="es-PE" sz="1600" b="1" dirty="0">
               <a:latin typeface="Arial" pitchFamily="34" charset="0"/>
@@ -25557,6 +25540,16 @@
               </a:spcBef>
             </a:pPr>
             <a:r>
+              <a:rPr lang="es-PE" sz="900" b="1" dirty="0" err="1" smtClean="0">
+                <a:solidFill>
+                  <a:schemeClr val="bg1"/>
+                </a:solidFill>
+                <a:latin typeface="Arial" pitchFamily="34" charset="0"/>
+                <a:cs typeface="Arial" pitchFamily="34" charset="0"/>
+              </a:rPr>
+              <a:t>Revision</a:t>
+            </a:r>
+            <a:r>
               <a:rPr lang="es-PE" sz="900" b="1" dirty="0" smtClean="0">
                 <a:solidFill>
                   <a:schemeClr val="bg1"/>
@@ -25564,7 +25557,7 @@
                 <a:latin typeface="Arial" pitchFamily="34" charset="0"/>
                 <a:cs typeface="Arial" pitchFamily="34" charset="0"/>
               </a:rPr>
-              <a:t>Registro de las revisiones realizadas</a:t>
+              <a:t> de Aseguramiento de la Calidad</a:t>
             </a:r>
             <a:endParaRPr lang="es-ES" sz="900" b="1" dirty="0">
               <a:solidFill>
@@ -26719,7 +26712,7 @@
   <a:extraClrSchemeLst/>
   <a:extLst>
     <a:ext uri="{05A4C25C-085E-4340-85A3-A5531E510DB2}">
-      <thm15:themeFamily xmlns:thm15="http://schemas.microsoft.com/office/thememl/2012/main" xmlns="" name="Berlin" id="{7B5DBA9E-B069-418E-9360-A61BDD0615A4}" vid="{B587E4A9-1405-4B4F-8BC3-512EE08D2EBF}"/>
+      <thm15:themeFamily xmlns="" xmlns:thm15="http://schemas.microsoft.com/office/thememl/2012/main" name="Berlin" id="{7B5DBA9E-B069-418E-9360-A61BDD0615A4}" vid="{B587E4A9-1405-4B4F-8BC3-512EE08D2EBF}"/>
     </a:ext>
   </a:extLst>
 </a:theme>
@@ -26980,7 +26973,7 @@
   <a:extraClrSchemeLst/>
   <a:extLst>
     <a:ext uri="{05A4C25C-085E-4340-85A3-A5531E510DB2}">
-      <thm15:themeFamily xmlns:thm15="http://schemas.microsoft.com/office/thememl/2012/main" xmlns="" name="Office Theme" id="{62F939B6-93AF-4DB8-9C6B-D6C7DFDC589F}" vid="{4A3C46E8-61CC-4603-A589-7422A47A8E4A}"/>
+      <thm15:themeFamily xmlns="" xmlns:thm15="http://schemas.microsoft.com/office/thememl/2012/main" name="Office Theme" id="{62F939B6-93AF-4DB8-9C6B-D6C7DFDC589F}" vid="{4A3C46E8-61CC-4603-A589-7422A47A8E4A}"/>
     </a:ext>
   </a:extLst>
 </a:theme>
